--- a/TSC/Templates/New Repo Application for components-fe.pptx
+++ b/TSC/Templates/New Repo Application for components-fe.pptx
@@ -243,7 +243,7 @@
           <a:p>
             <a:fld id="{E8CF71B8-DF2A-2E41-BE66-2E18A767DA8A}" type="datetimeFigureOut">
               <a:rPr lang="en-US" smtClean="0"/>
-              <a:t>2/8/2021</a:t>
+              <a:t>2/9/2021</a:t>
             </a:fld>
             <a:endParaRPr lang="en-US"/>
           </a:p>
@@ -408,7 +408,7 @@
           <a:p>
             <a:fld id="{0DD60A27-BF12-6744-9E93-932A0E34D8BB}" type="datetimeFigureOut">
               <a:rPr lang="en-US" smtClean="0"/>
-              <a:t>2/8/2021</a:t>
+              <a:t>2/9/2021</a:t>
             </a:fld>
             <a:endParaRPr lang="en-US"/>
           </a:p>
@@ -4632,6 +4632,7 @@
                 <a:solidFill>
                   <a:schemeClr val="tx1"/>
                 </a:solidFill>
+                <a:hlinkClick r:id="rId2"/>
               </a:rPr>
               <a:t>https://</a:t>
             </a:r>
@@ -4640,8 +4641,9 @@
                 <a:solidFill>
                   <a:schemeClr val="tx1"/>
                 </a:solidFill>
+                <a:hlinkClick r:id="rId2"/>
               </a:rPr>
-              <a:t>gitee.com/edgegallery/components-fe.git</a:t>
+              <a:t>gitee.com/edgegallery/eg-view.git</a:t>
             </a:r>
             <a:endParaRPr lang="en-US" altLang="zh-CN" sz="1600" dirty="0" smtClean="0">
               <a:solidFill>
@@ -4879,17 +4881,26 @@
               <a:rPr lang="en-US" sz="1600" dirty="0" smtClean="0">
                 <a:sym typeface="+mn-ea"/>
               </a:rPr>
-              <a:t>Email: 942517636</a:t>
+              <a:t>Email: </a:t>
+            </a:r>
+            <a:r>
+              <a:rPr lang="en-US" sz="1600" dirty="0" smtClean="0">
+                <a:sym typeface="+mn-ea"/>
+              </a:rPr>
+              <a:t>zhouwenjing, 942517636</a:t>
             </a:r>
             <a:r>
               <a:rPr lang="en-US" altLang="zh-CN" sz="1600" dirty="0" smtClean="0">
                 <a:sym typeface="+mn-ea"/>
               </a:rPr>
-              <a:t>@qq.com;</a:t>
+              <a:t>@qq.com</a:t>
             </a:r>
-            <a:endParaRPr lang="en-US" altLang="zh-CN" sz="1600" dirty="0" smtClean="0">
-              <a:sym typeface="+mn-ea"/>
-            </a:endParaRPr>
+            <a:r>
+              <a:rPr lang="en-US" altLang="zh-CN" sz="1600" dirty="0" smtClean="0">
+                <a:sym typeface="+mn-ea"/>
+              </a:rPr>
+              <a:t>;</a:t>
+            </a:r>
           </a:p>
           <a:p>
             <a:pPr marL="811530" lvl="1" indent="-285750">
@@ -4977,7 +4988,7 @@
               <a:rPr lang="en-US" altLang="zh-CN" sz="1600" dirty="0">
                 <a:sym typeface="+mn-ea"/>
               </a:rPr>
-              <a:t>942517636@qq.com</a:t>
+              <a:t>zhouwenjing, 942517636@qq.com</a:t>
             </a:r>
             <a:endParaRPr lang="en-US" altLang="zh-CN" sz="1600" dirty="0">
               <a:sym typeface="+mn-ea"/>
@@ -5006,16 +5017,7 @@
                 </a:solidFill>
                 <a:sym typeface="+mn-ea"/>
               </a:rPr>
-              <a:t>Target EdgeGallery Version: </a:t>
-            </a:r>
-            <a:r>
-              <a:rPr lang="en-US" sz="1600" b="1" dirty="0" smtClean="0">
-                <a:solidFill>
-                  <a:schemeClr val="tx1"/>
-                </a:solidFill>
-                <a:sym typeface="+mn-ea"/>
-              </a:rPr>
-              <a:t>v</a:t>
+              <a:t>Target EdgeGallery Version: v</a:t>
             </a:r>
             <a:r>
               <a:rPr lang="en-US" altLang="zh-CN" sz="1600" b="1" dirty="0" smtClean="0">
@@ -5127,7 +5129,7 @@
           <p:nvPr/>
         </p:nvPicPr>
         <p:blipFill>
-          <a:blip r:embed="rId2">
+          <a:blip r:embed="rId3">
             <a:extLst>
               <a:ext uri="{28A0092B-C50C-407E-A947-70E740481C1C}">
                 <a14:useLocalDpi xmlns:a14="http://schemas.microsoft.com/office/drawing/2010/main" val="0"/>
